--- a/intro/intro1/Real-Time Data for AI Agents Grounding with Event-Driven Architecture.pptx
+++ b/intro/intro1/Real-Time Data for AI Agents Grounding with Event-Driven Architecture.pptx
@@ -5,13 +5,15 @@
     <p:sldMasterId id="2147483648" r:id="rId4"/>
   </p:sldMasterIdLst>
   <p:notesMasterIdLst>
-    <p:notesMasterId r:id="rId9"/>
+    <p:notesMasterId r:id="rId11"/>
   </p:notesMasterIdLst>
   <p:sldIdLst>
     <p:sldId id="278" r:id="rId5"/>
-    <p:sldId id="2147483261" r:id="rId6"/>
-    <p:sldId id="266" r:id="rId7"/>
-    <p:sldId id="279" r:id="rId8"/>
+    <p:sldId id="2147483262" r:id="rId6"/>
+    <p:sldId id="2147483263" r:id="rId7"/>
+    <p:sldId id="2147483261" r:id="rId8"/>
+    <p:sldId id="266" r:id="rId9"/>
+    <p:sldId id="279" r:id="rId10"/>
   </p:sldIdLst>
   <p:sldSz cx="12192000" cy="6858000"/>
   <p:notesSz cx="6858000" cy="9144000"/>
@@ -206,7 +208,7 @@
           <a:p>
             <a:fld id="{0554D89A-E3CF-7042-B702-F8D577744DCD}" type="datetimeFigureOut">
               <a:rPr lang="en-US" smtClean="0"/>
-              <a:t>11/2/25</a:t>
+              <a:t>11/4/25</a:t>
             </a:fld>
             <a:endParaRPr lang="en-US"/>
           </a:p>
@@ -595,7 +597,7 @@
             <a:fld id="{7D8C2C35-2B8A-446E-BEC0-FD36716C29AC}" type="slidenum">
               <a:rPr lang="en-DE" smtClean="0"/>
               <a:pPr/>
-              <a:t>2</a:t>
+              <a:t>4</a:t>
             </a:fld>
             <a:endParaRPr lang="en-DE"/>
           </a:p>
@@ -744,7 +746,7 @@
           <a:p>
             <a:fld id="{5F71B734-DFA2-C644-BD45-20623A7DDDFA}" type="datetimeFigureOut">
               <a:rPr lang="en-US" smtClean="0"/>
-              <a:t>11/2/25</a:t>
+              <a:t>11/4/25</a:t>
             </a:fld>
             <a:endParaRPr lang="en-US"/>
           </a:p>
@@ -1091,7 +1093,7 @@
           <a:p>
             <a:fld id="{5F71B734-DFA2-C644-BD45-20623A7DDDFA}" type="datetimeFigureOut">
               <a:rPr lang="en-US" smtClean="0"/>
-              <a:t>11/2/25</a:t>
+              <a:t>11/4/25</a:t>
             </a:fld>
             <a:endParaRPr lang="en-US"/>
           </a:p>
@@ -1289,7 +1291,7 @@
           <a:p>
             <a:fld id="{5F71B734-DFA2-C644-BD45-20623A7DDDFA}" type="datetimeFigureOut">
               <a:rPr lang="en-US" smtClean="0"/>
-              <a:t>11/2/25</a:t>
+              <a:t>11/4/25</a:t>
             </a:fld>
             <a:endParaRPr lang="en-US"/>
           </a:p>
@@ -1497,7 +1499,7 @@
           <a:p>
             <a:fld id="{5F71B734-DFA2-C644-BD45-20623A7DDDFA}" type="datetimeFigureOut">
               <a:rPr lang="en-US" smtClean="0"/>
-              <a:t>11/2/25</a:t>
+              <a:t>11/4/25</a:t>
             </a:fld>
             <a:endParaRPr lang="en-US"/>
           </a:p>
@@ -1936,7 +1938,7 @@
           <a:p>
             <a:fld id="{5F71B734-DFA2-C644-BD45-20623A7DDDFA}" type="datetimeFigureOut">
               <a:rPr lang="en-US" smtClean="0"/>
-              <a:t>11/2/25</a:t>
+              <a:t>11/4/25</a:t>
             </a:fld>
             <a:endParaRPr lang="en-US"/>
           </a:p>
@@ -2172,7 +2174,7 @@
           <a:p>
             <a:fld id="{5F71B734-DFA2-C644-BD45-20623A7DDDFA}" type="datetimeFigureOut">
               <a:rPr lang="en-US" smtClean="0"/>
-              <a:t>11/2/25</a:t>
+              <a:t>11/4/25</a:t>
             </a:fld>
             <a:endParaRPr lang="en-US"/>
           </a:p>
@@ -2447,7 +2449,7 @@
           <a:p>
             <a:fld id="{5F71B734-DFA2-C644-BD45-20623A7DDDFA}" type="datetimeFigureOut">
               <a:rPr lang="en-US" smtClean="0"/>
-              <a:t>11/2/25</a:t>
+              <a:t>11/4/25</a:t>
             </a:fld>
             <a:endParaRPr lang="en-US"/>
           </a:p>
@@ -2712,7 +2714,7 @@
           <a:p>
             <a:fld id="{5F71B734-DFA2-C644-BD45-20623A7DDDFA}" type="datetimeFigureOut">
               <a:rPr lang="en-US" smtClean="0"/>
-              <a:t>11/2/25</a:t>
+              <a:t>11/4/25</a:t>
             </a:fld>
             <a:endParaRPr lang="en-US"/>
           </a:p>
@@ -3124,7 +3126,7 @@
           <a:p>
             <a:fld id="{5F71B734-DFA2-C644-BD45-20623A7DDDFA}" type="datetimeFigureOut">
               <a:rPr lang="en-US" smtClean="0"/>
-              <a:t>11/2/25</a:t>
+              <a:t>11/4/25</a:t>
             </a:fld>
             <a:endParaRPr lang="en-US"/>
           </a:p>
@@ -3265,7 +3267,7 @@
           <a:p>
             <a:fld id="{5F71B734-DFA2-C644-BD45-20623A7DDDFA}" type="datetimeFigureOut">
               <a:rPr lang="en-US" smtClean="0"/>
-              <a:t>11/2/25</a:t>
+              <a:t>11/4/25</a:t>
             </a:fld>
             <a:endParaRPr lang="en-US"/>
           </a:p>
@@ -3378,7 +3380,7 @@
           <a:p>
             <a:fld id="{5F71B734-DFA2-C644-BD45-20623A7DDDFA}" type="datetimeFigureOut">
               <a:rPr lang="en-US" smtClean="0"/>
-              <a:t>11/2/25</a:t>
+              <a:t>11/4/25</a:t>
             </a:fld>
             <a:endParaRPr lang="en-US"/>
           </a:p>
@@ -3689,7 +3691,7 @@
           <a:p>
             <a:fld id="{5F71B734-DFA2-C644-BD45-20623A7DDDFA}" type="datetimeFigureOut">
               <a:rPr lang="en-US" smtClean="0"/>
-              <a:t>11/2/25</a:t>
+              <a:t>11/4/25</a:t>
             </a:fld>
             <a:endParaRPr lang="en-US"/>
           </a:p>
@@ -3982,7 +3984,7 @@
           <a:p>
             <a:fld id="{5F71B734-DFA2-C644-BD45-20623A7DDDFA}" type="datetimeFigureOut">
               <a:rPr lang="en-US" smtClean="0"/>
-              <a:t>11/2/25</a:t>
+              <a:t>11/4/25</a:t>
             </a:fld>
             <a:endParaRPr lang="en-US"/>
           </a:p>
@@ -4559,6 +4561,800 @@
 </file>
 
 <file path=ppt/slides/slide2.xml><?xml version="1.0" encoding="utf-8"?>
+<p:sld xmlns:a="http://schemas.openxmlformats.org/drawingml/2006/main" xmlns:r="http://schemas.openxmlformats.org/officeDocument/2006/relationships" xmlns:p="http://schemas.openxmlformats.org/presentationml/2006/main">
+  <p:cSld>
+    <p:spTree>
+      <p:nvGrpSpPr>
+        <p:cNvPr id="1" name=""/>
+        <p:cNvGrpSpPr/>
+        <p:nvPr/>
+      </p:nvGrpSpPr>
+      <p:grpSpPr>
+        <a:xfrm>
+          <a:off x="0" y="0"/>
+          <a:ext cx="0" cy="0"/>
+          <a:chOff x="0" y="0"/>
+          <a:chExt cx="0" cy="0"/>
+        </a:xfrm>
+      </p:grpSpPr>
+      <p:pic>
+        <p:nvPicPr>
+          <p:cNvPr id="9" name="Picture 8">
+            <a:extLst>
+              <a:ext uri="{FF2B5EF4-FFF2-40B4-BE49-F238E27FC236}">
+                <a16:creationId xmlns:a16="http://schemas.microsoft.com/office/drawing/2014/main" id="{348C649E-98CF-D34C-3989-92FCBC84EF08}"/>
+              </a:ext>
+            </a:extLst>
+          </p:cNvPr>
+          <p:cNvPicPr>
+            <a:picLocks noChangeAspect="1"/>
+          </p:cNvPicPr>
+          <p:nvPr/>
+        </p:nvPicPr>
+        <p:blipFill>
+          <a:blip r:embed="rId2"/>
+          <a:srcRect l="29567" t="19899" r="17957" b="3596"/>
+          <a:stretch>
+            <a:fillRect/>
+          </a:stretch>
+        </p:blipFill>
+        <p:spPr>
+          <a:xfrm>
+            <a:off x="4180975" y="2695075"/>
+            <a:ext cx="4078706" cy="3344779"/>
+          </a:xfrm>
+          <a:prstGeom prst="rect">
+            <a:avLst/>
+          </a:prstGeom>
+          <a:effectLst>
+            <a:outerShdw blurRad="50800" dist="38100" dir="8100000" algn="tr" rotWithShape="0">
+              <a:prstClr val="black">
+                <a:alpha val="40000"/>
+              </a:prstClr>
+            </a:outerShdw>
+          </a:effectLst>
+        </p:spPr>
+      </p:pic>
+      <p:pic>
+        <p:nvPicPr>
+          <p:cNvPr id="7" name="Picture 6">
+            <a:extLst>
+              <a:ext uri="{FF2B5EF4-FFF2-40B4-BE49-F238E27FC236}">
+                <a16:creationId xmlns:a16="http://schemas.microsoft.com/office/drawing/2014/main" id="{CD7727A4-9FD8-AA58-D8F8-4078E9C7E063}"/>
+              </a:ext>
+            </a:extLst>
+          </p:cNvPr>
+          <p:cNvPicPr>
+            <a:picLocks noChangeAspect="1"/>
+          </p:cNvPicPr>
+          <p:nvPr/>
+        </p:nvPicPr>
+        <p:blipFill>
+          <a:blip r:embed="rId3"/>
+          <a:srcRect l="30909" r="18317"/>
+          <a:stretch>
+            <a:fillRect/>
+          </a:stretch>
+        </p:blipFill>
+        <p:spPr>
+          <a:xfrm>
+            <a:off x="7315200" y="320342"/>
+            <a:ext cx="3946358" cy="4371975"/>
+          </a:xfrm>
+          <a:prstGeom prst="rect">
+            <a:avLst/>
+          </a:prstGeom>
+          <a:effectLst>
+            <a:outerShdw blurRad="50800" dist="38100" dir="8100000" algn="tr" rotWithShape="0">
+              <a:prstClr val="black">
+                <a:alpha val="40000"/>
+              </a:prstClr>
+            </a:outerShdw>
+          </a:effectLst>
+        </p:spPr>
+      </p:pic>
+      <p:pic>
+        <p:nvPicPr>
+          <p:cNvPr id="5" name="Picture 4">
+            <a:extLst>
+              <a:ext uri="{FF2B5EF4-FFF2-40B4-BE49-F238E27FC236}">
+                <a16:creationId xmlns:a16="http://schemas.microsoft.com/office/drawing/2014/main" id="{8F0AF162-65CF-8F62-5553-C3639FE3A74D}"/>
+              </a:ext>
+            </a:extLst>
+          </p:cNvPr>
+          <p:cNvPicPr>
+            <a:picLocks noChangeAspect="1"/>
+          </p:cNvPicPr>
+          <p:nvPr/>
+        </p:nvPicPr>
+        <p:blipFill>
+          <a:blip r:embed="rId4"/>
+          <a:srcRect l="23066" t="28070" r="15480" b="826"/>
+          <a:stretch>
+            <a:fillRect/>
+          </a:stretch>
+        </p:blipFill>
+        <p:spPr>
+          <a:xfrm>
+            <a:off x="348918" y="151900"/>
+            <a:ext cx="4776537" cy="3108658"/>
+          </a:xfrm>
+          <a:prstGeom prst="rect">
+            <a:avLst/>
+          </a:prstGeom>
+          <a:effectLst>
+            <a:outerShdw blurRad="50800" dist="38100" dir="8100000" algn="tr" rotWithShape="0">
+              <a:prstClr val="black">
+                <a:alpha val="40000"/>
+              </a:prstClr>
+            </a:outerShdw>
+          </a:effectLst>
+        </p:spPr>
+      </p:pic>
+    </p:spTree>
+    <p:extLst>
+      <p:ext uri="{BB962C8B-B14F-4D97-AF65-F5344CB8AC3E}">
+        <p14:creationId xmlns:p14="http://schemas.microsoft.com/office/powerpoint/2010/main" val="2202160132"/>
+      </p:ext>
+    </p:extLst>
+  </p:cSld>
+  <p:clrMapOvr>
+    <a:masterClrMapping/>
+  </p:clrMapOvr>
+  <p:timing>
+    <p:tnLst>
+      <p:par>
+        <p:cTn id="1" dur="indefinite" restart="never" nodeType="tmRoot">
+          <p:childTnLst>
+            <p:seq concurrent="1" nextAc="seek">
+              <p:cTn id="2" dur="indefinite" nodeType="mainSeq">
+                <p:childTnLst>
+                  <p:par>
+                    <p:cTn id="3" fill="hold">
+                      <p:stCondLst>
+                        <p:cond delay="indefinite"/>
+                      </p:stCondLst>
+                      <p:childTnLst>
+                        <p:par>
+                          <p:cTn id="4" fill="hold">
+                            <p:stCondLst>
+                              <p:cond delay="0"/>
+                            </p:stCondLst>
+                            <p:childTnLst>
+                              <p:par>
+                                <p:cTn id="5" presetID="1" presetClass="entr" presetSubtype="0" fill="hold" nodeType="clickEffect">
+                                  <p:stCondLst>
+                                    <p:cond delay="0"/>
+                                  </p:stCondLst>
+                                  <p:childTnLst>
+                                    <p:set>
+                                      <p:cBhvr>
+                                        <p:cTn id="6" dur="1" fill="hold">
+                                          <p:stCondLst>
+                                            <p:cond delay="0"/>
+                                          </p:stCondLst>
+                                        </p:cTn>
+                                        <p:tgtEl>
+                                          <p:spTgt spid="7"/>
+                                        </p:tgtEl>
+                                        <p:attrNameLst>
+                                          <p:attrName>style.visibility</p:attrName>
+                                        </p:attrNameLst>
+                                      </p:cBhvr>
+                                      <p:to>
+                                        <p:strVal val="visible"/>
+                                      </p:to>
+                                    </p:set>
+                                  </p:childTnLst>
+                                </p:cTn>
+                              </p:par>
+                            </p:childTnLst>
+                          </p:cTn>
+                        </p:par>
+                      </p:childTnLst>
+                    </p:cTn>
+                  </p:par>
+                  <p:par>
+                    <p:cTn id="7" fill="hold">
+                      <p:stCondLst>
+                        <p:cond delay="indefinite"/>
+                      </p:stCondLst>
+                      <p:childTnLst>
+                        <p:par>
+                          <p:cTn id="8" fill="hold">
+                            <p:stCondLst>
+                              <p:cond delay="0"/>
+                            </p:stCondLst>
+                            <p:childTnLst>
+                              <p:par>
+                                <p:cTn id="9" presetID="1" presetClass="entr" presetSubtype="0" fill="hold" nodeType="clickEffect">
+                                  <p:stCondLst>
+                                    <p:cond delay="0"/>
+                                  </p:stCondLst>
+                                  <p:childTnLst>
+                                    <p:set>
+                                      <p:cBhvr>
+                                        <p:cTn id="10" dur="1" fill="hold">
+                                          <p:stCondLst>
+                                            <p:cond delay="0"/>
+                                          </p:stCondLst>
+                                        </p:cTn>
+                                        <p:tgtEl>
+                                          <p:spTgt spid="9"/>
+                                        </p:tgtEl>
+                                        <p:attrNameLst>
+                                          <p:attrName>style.visibility</p:attrName>
+                                        </p:attrNameLst>
+                                      </p:cBhvr>
+                                      <p:to>
+                                        <p:strVal val="visible"/>
+                                      </p:to>
+                                    </p:set>
+                                  </p:childTnLst>
+                                </p:cTn>
+                              </p:par>
+                            </p:childTnLst>
+                          </p:cTn>
+                        </p:par>
+                      </p:childTnLst>
+                    </p:cTn>
+                  </p:par>
+                </p:childTnLst>
+              </p:cTn>
+              <p:prevCondLst>
+                <p:cond evt="onPrev" delay="0">
+                  <p:tgtEl>
+                    <p:sldTgt/>
+                  </p:tgtEl>
+                </p:cond>
+              </p:prevCondLst>
+              <p:nextCondLst>
+                <p:cond evt="onNext" delay="0">
+                  <p:tgtEl>
+                    <p:sldTgt/>
+                  </p:tgtEl>
+                </p:cond>
+              </p:nextCondLst>
+            </p:seq>
+          </p:childTnLst>
+        </p:cTn>
+      </p:par>
+    </p:tnLst>
+  </p:timing>
+</p:sld>
+</file>
+
+<file path=ppt/slides/slide3.xml><?xml version="1.0" encoding="utf-8"?>
+<p:sld xmlns:a="http://schemas.openxmlformats.org/drawingml/2006/main" xmlns:r="http://schemas.openxmlformats.org/officeDocument/2006/relationships" xmlns:p="http://schemas.openxmlformats.org/presentationml/2006/main">
+  <p:cSld>
+    <p:spTree>
+      <p:nvGrpSpPr>
+        <p:cNvPr id="1" name=""/>
+        <p:cNvGrpSpPr/>
+        <p:nvPr/>
+      </p:nvGrpSpPr>
+      <p:grpSpPr>
+        <a:xfrm>
+          <a:off x="0" y="0"/>
+          <a:ext cx="0" cy="0"/>
+          <a:chOff x="0" y="0"/>
+          <a:chExt cx="0" cy="0"/>
+        </a:xfrm>
+      </p:grpSpPr>
+      <p:pic>
+        <p:nvPicPr>
+          <p:cNvPr id="3" name="Picture 2">
+            <a:extLst>
+              <a:ext uri="{FF2B5EF4-FFF2-40B4-BE49-F238E27FC236}">
+                <a16:creationId xmlns:a16="http://schemas.microsoft.com/office/drawing/2014/main" id="{E762A8AA-4615-3B18-8847-2EDD2BD3C781}"/>
+              </a:ext>
+            </a:extLst>
+          </p:cNvPr>
+          <p:cNvPicPr>
+            <a:picLocks noChangeAspect="1"/>
+          </p:cNvPicPr>
+          <p:nvPr/>
+        </p:nvPicPr>
+        <p:blipFill>
+          <a:blip r:embed="rId2"/>
+          <a:stretch>
+            <a:fillRect/>
+          </a:stretch>
+        </p:blipFill>
+        <p:spPr>
+          <a:xfrm>
+            <a:off x="243234" y="0"/>
+            <a:ext cx="3378271" cy="2235227"/>
+          </a:xfrm>
+          <a:prstGeom prst="rect">
+            <a:avLst/>
+          </a:prstGeom>
+          <a:effectLst>
+            <a:outerShdw blurRad="50800" dist="38100" dir="8100000" algn="tr" rotWithShape="0">
+              <a:prstClr val="black">
+                <a:alpha val="40000"/>
+              </a:prstClr>
+            </a:outerShdw>
+          </a:effectLst>
+        </p:spPr>
+      </p:pic>
+      <p:pic>
+        <p:nvPicPr>
+          <p:cNvPr id="5" name="Picture 4">
+            <a:extLst>
+              <a:ext uri="{FF2B5EF4-FFF2-40B4-BE49-F238E27FC236}">
+                <a16:creationId xmlns:a16="http://schemas.microsoft.com/office/drawing/2014/main" id="{3B7C1387-CB10-9562-AAC0-55E21999CE7F}"/>
+              </a:ext>
+            </a:extLst>
+          </p:cNvPr>
+          <p:cNvPicPr>
+            <a:picLocks noChangeAspect="1"/>
+          </p:cNvPicPr>
+          <p:nvPr/>
+        </p:nvPicPr>
+        <p:blipFill>
+          <a:blip r:embed="rId3"/>
+          <a:stretch>
+            <a:fillRect/>
+          </a:stretch>
+        </p:blipFill>
+        <p:spPr>
+          <a:xfrm>
+            <a:off x="243233" y="3091841"/>
+            <a:ext cx="3378271" cy="2418624"/>
+          </a:xfrm>
+          <a:prstGeom prst="rect">
+            <a:avLst/>
+          </a:prstGeom>
+          <a:effectLst>
+            <a:outerShdw blurRad="50800" dist="38100" dir="8100000" algn="tr" rotWithShape="0">
+              <a:prstClr val="black">
+                <a:alpha val="40000"/>
+              </a:prstClr>
+            </a:outerShdw>
+          </a:effectLst>
+        </p:spPr>
+      </p:pic>
+      <p:pic>
+        <p:nvPicPr>
+          <p:cNvPr id="1028" name="Picture 4">
+            <a:extLst>
+              <a:ext uri="{FF2B5EF4-FFF2-40B4-BE49-F238E27FC236}">
+                <a16:creationId xmlns:a16="http://schemas.microsoft.com/office/drawing/2014/main" id="{42B0223B-87F3-BD4B-8482-48A3871A9201}"/>
+              </a:ext>
+            </a:extLst>
+          </p:cNvPr>
+          <p:cNvPicPr>
+            <a:picLocks noChangeAspect="1" noChangeArrowheads="1"/>
+          </p:cNvPicPr>
+          <p:nvPr/>
+        </p:nvPicPr>
+        <p:blipFill rotWithShape="1">
+          <a:blip r:embed="rId4">
+            <a:extLst>
+              <a:ext uri="{28A0092B-C50C-407E-A947-70E740481C1C}">
+                <a14:useLocalDpi xmlns:a14="http://schemas.microsoft.com/office/drawing/2010/main" val="0"/>
+              </a:ext>
+            </a:extLst>
+          </a:blip>
+          <a:srcRect l="12442" t="3918" r="3211" b="25025"/>
+          <a:stretch>
+            <a:fillRect/>
+          </a:stretch>
+        </p:blipFill>
+        <p:spPr bwMode="auto">
+          <a:xfrm>
+            <a:off x="4208343" y="820811"/>
+            <a:ext cx="5727031" cy="2713873"/>
+          </a:xfrm>
+          <a:prstGeom prst="rect">
+            <a:avLst/>
+          </a:prstGeom>
+          <a:noFill/>
+          <a:effectLst>
+            <a:outerShdw blurRad="50800" dist="38100" dir="8100000" algn="tr" rotWithShape="0">
+              <a:prstClr val="black">
+                <a:alpha val="40000"/>
+              </a:prstClr>
+            </a:outerShdw>
+          </a:effectLst>
+          <a:extLst>
+            <a:ext uri="{909E8E84-426E-40DD-AFC4-6F175D3DCCD1}">
+              <a14:hiddenFill xmlns:a14="http://schemas.microsoft.com/office/drawing/2010/main">
+                <a:solidFill>
+                  <a:srgbClr val="FFFFFF"/>
+                </a:solidFill>
+              </a14:hiddenFill>
+            </a:ext>
+          </a:extLst>
+        </p:spPr>
+      </p:pic>
+      <p:pic>
+        <p:nvPicPr>
+          <p:cNvPr id="1030" name="Picture 6" descr="Pic 22-4">
+            <a:extLst>
+              <a:ext uri="{FF2B5EF4-FFF2-40B4-BE49-F238E27FC236}">
+                <a16:creationId xmlns:a16="http://schemas.microsoft.com/office/drawing/2014/main" id="{7797B483-67AA-9DBC-DDC2-0567786B72CF}"/>
+              </a:ext>
+            </a:extLst>
+          </p:cNvPr>
+          <p:cNvPicPr>
+            <a:picLocks noChangeAspect="1" noChangeArrowheads="1"/>
+          </p:cNvPicPr>
+          <p:nvPr/>
+        </p:nvPicPr>
+        <p:blipFill rotWithShape="1">
+          <a:blip r:embed="rId5">
+            <a:extLst>
+              <a:ext uri="{28A0092B-C50C-407E-A947-70E740481C1C}">
+                <a14:useLocalDpi xmlns:a14="http://schemas.microsoft.com/office/drawing/2010/main" val="0"/>
+              </a:ext>
+            </a:extLst>
+          </a:blip>
+          <a:srcRect l="13435" t="6086" b="22939"/>
+          <a:stretch>
+            <a:fillRect/>
+          </a:stretch>
+        </p:blipFill>
+        <p:spPr bwMode="auto">
+          <a:xfrm>
+            <a:off x="7678749" y="2581912"/>
+            <a:ext cx="4513251" cy="2081465"/>
+          </a:xfrm>
+          <a:prstGeom prst="rect">
+            <a:avLst/>
+          </a:prstGeom>
+          <a:noFill/>
+          <a:effectLst>
+            <a:outerShdw blurRad="50800" dist="38100" dir="8100000" algn="tr" rotWithShape="0">
+              <a:prstClr val="black">
+                <a:alpha val="40000"/>
+              </a:prstClr>
+            </a:outerShdw>
+          </a:effectLst>
+          <a:extLst>
+            <a:ext uri="{909E8E84-426E-40DD-AFC4-6F175D3DCCD1}">
+              <a14:hiddenFill xmlns:a14="http://schemas.microsoft.com/office/drawing/2010/main">
+                <a:solidFill>
+                  <a:srgbClr val="FFFFFF"/>
+                </a:solidFill>
+              </a14:hiddenFill>
+            </a:ext>
+          </a:extLst>
+        </p:spPr>
+      </p:pic>
+      <p:pic>
+        <p:nvPicPr>
+          <p:cNvPr id="1026" name="Picture 2">
+            <a:extLst>
+              <a:ext uri="{FF2B5EF4-FFF2-40B4-BE49-F238E27FC236}">
+                <a16:creationId xmlns:a16="http://schemas.microsoft.com/office/drawing/2014/main" id="{4238C3BC-FD7C-3A85-A1C3-7B9862B7E8FB}"/>
+              </a:ext>
+            </a:extLst>
+          </p:cNvPr>
+          <p:cNvPicPr>
+            <a:picLocks noChangeAspect="1" noChangeArrowheads="1"/>
+          </p:cNvPicPr>
+          <p:nvPr/>
+        </p:nvPicPr>
+        <p:blipFill>
+          <a:blip r:embed="rId6">
+            <a:extLst>
+              <a:ext uri="{28A0092B-C50C-407E-A947-70E740481C1C}">
+                <a14:useLocalDpi xmlns:a14="http://schemas.microsoft.com/office/drawing/2010/main" val="0"/>
+              </a:ext>
+            </a:extLst>
+          </a:blip>
+          <a:srcRect/>
+          <a:stretch>
+            <a:fillRect/>
+          </a:stretch>
+        </p:blipFill>
+        <p:spPr bwMode="auto">
+          <a:xfrm>
+            <a:off x="3847503" y="203976"/>
+            <a:ext cx="6789821" cy="1445490"/>
+          </a:xfrm>
+          <a:prstGeom prst="rect">
+            <a:avLst/>
+          </a:prstGeom>
+          <a:noFill/>
+          <a:effectLst>
+            <a:outerShdw blurRad="50800" dist="38100" dir="8100000" algn="tr" rotWithShape="0">
+              <a:prstClr val="black">
+                <a:alpha val="40000"/>
+              </a:prstClr>
+            </a:outerShdw>
+          </a:effectLst>
+          <a:extLst>
+            <a:ext uri="{909E8E84-426E-40DD-AFC4-6F175D3DCCD1}">
+              <a14:hiddenFill xmlns:a14="http://schemas.microsoft.com/office/drawing/2010/main">
+                <a:solidFill>
+                  <a:srgbClr val="FFFFFF"/>
+                </a:solidFill>
+              </a14:hiddenFill>
+            </a:ext>
+          </a:extLst>
+        </p:spPr>
+      </p:pic>
+      <p:pic>
+        <p:nvPicPr>
+          <p:cNvPr id="1032" name="Picture 8">
+            <a:extLst>
+              <a:ext uri="{FF2B5EF4-FFF2-40B4-BE49-F238E27FC236}">
+                <a16:creationId xmlns:a16="http://schemas.microsoft.com/office/drawing/2014/main" id="{7F567FBC-FF57-7C4C-DB47-E29DB05C63A3}"/>
+              </a:ext>
+            </a:extLst>
+          </p:cNvPr>
+          <p:cNvPicPr>
+            <a:picLocks noChangeAspect="1" noChangeArrowheads="1"/>
+          </p:cNvPicPr>
+          <p:nvPr/>
+        </p:nvPicPr>
+        <p:blipFill>
+          <a:blip r:embed="rId7">
+            <a:extLst>
+              <a:ext uri="{28A0092B-C50C-407E-A947-70E740481C1C}">
+                <a14:useLocalDpi xmlns:a14="http://schemas.microsoft.com/office/drawing/2010/main" val="0"/>
+              </a:ext>
+            </a:extLst>
+          </a:blip>
+          <a:srcRect/>
+          <a:stretch>
+            <a:fillRect/>
+          </a:stretch>
+        </p:blipFill>
+        <p:spPr bwMode="auto">
+          <a:xfrm>
+            <a:off x="3847503" y="4663377"/>
+            <a:ext cx="8570496" cy="1433996"/>
+          </a:xfrm>
+          <a:prstGeom prst="rect">
+            <a:avLst/>
+          </a:prstGeom>
+          <a:noFill/>
+          <a:effectLst>
+            <a:outerShdw blurRad="50800" dist="38100" dir="8100000" algn="tr" rotWithShape="0">
+              <a:prstClr val="black">
+                <a:alpha val="40000"/>
+              </a:prstClr>
+            </a:outerShdw>
+          </a:effectLst>
+          <a:extLst>
+            <a:ext uri="{909E8E84-426E-40DD-AFC4-6F175D3DCCD1}">
+              <a14:hiddenFill xmlns:a14="http://schemas.microsoft.com/office/drawing/2010/main">
+                <a:solidFill>
+                  <a:srgbClr val="FFFFFF"/>
+                </a:solidFill>
+              </a14:hiddenFill>
+            </a:ext>
+          </a:extLst>
+        </p:spPr>
+      </p:pic>
+    </p:spTree>
+    <p:extLst>
+      <p:ext uri="{BB962C8B-B14F-4D97-AF65-F5344CB8AC3E}">
+        <p14:creationId xmlns:p14="http://schemas.microsoft.com/office/powerpoint/2010/main" val="3522417063"/>
+      </p:ext>
+    </p:extLst>
+  </p:cSld>
+  <p:clrMapOvr>
+    <a:masterClrMapping/>
+  </p:clrMapOvr>
+  <p:timing>
+    <p:tnLst>
+      <p:par>
+        <p:cTn id="1" dur="indefinite" restart="never" nodeType="tmRoot">
+          <p:childTnLst>
+            <p:seq concurrent="1" nextAc="seek">
+              <p:cTn id="2" dur="indefinite" nodeType="mainSeq">
+                <p:childTnLst>
+                  <p:par>
+                    <p:cTn id="3" fill="hold">
+                      <p:stCondLst>
+                        <p:cond delay="indefinite"/>
+                      </p:stCondLst>
+                      <p:childTnLst>
+                        <p:par>
+                          <p:cTn id="4" fill="hold">
+                            <p:stCondLst>
+                              <p:cond delay="0"/>
+                            </p:stCondLst>
+                            <p:childTnLst>
+                              <p:par>
+                                <p:cTn id="5" presetID="1" presetClass="entr" presetSubtype="0" fill="hold" nodeType="clickEffect">
+                                  <p:stCondLst>
+                                    <p:cond delay="0"/>
+                                  </p:stCondLst>
+                                  <p:childTnLst>
+                                    <p:set>
+                                      <p:cBhvr>
+                                        <p:cTn id="6" dur="1" fill="hold">
+                                          <p:stCondLst>
+                                            <p:cond delay="0"/>
+                                          </p:stCondLst>
+                                        </p:cTn>
+                                        <p:tgtEl>
+                                          <p:spTgt spid="1026"/>
+                                        </p:tgtEl>
+                                        <p:attrNameLst>
+                                          <p:attrName>style.visibility</p:attrName>
+                                        </p:attrNameLst>
+                                      </p:cBhvr>
+                                      <p:to>
+                                        <p:strVal val="visible"/>
+                                      </p:to>
+                                    </p:set>
+                                  </p:childTnLst>
+                                </p:cTn>
+                              </p:par>
+                            </p:childTnLst>
+                          </p:cTn>
+                        </p:par>
+                      </p:childTnLst>
+                    </p:cTn>
+                  </p:par>
+                  <p:par>
+                    <p:cTn id="7" fill="hold">
+                      <p:stCondLst>
+                        <p:cond delay="indefinite"/>
+                      </p:stCondLst>
+                      <p:childTnLst>
+                        <p:par>
+                          <p:cTn id="8" fill="hold">
+                            <p:stCondLst>
+                              <p:cond delay="0"/>
+                            </p:stCondLst>
+                            <p:childTnLst>
+                              <p:par>
+                                <p:cTn id="9" presetID="1" presetClass="entr" presetSubtype="0" fill="hold" nodeType="clickEffect">
+                                  <p:stCondLst>
+                                    <p:cond delay="0"/>
+                                  </p:stCondLst>
+                                  <p:childTnLst>
+                                    <p:set>
+                                      <p:cBhvr>
+                                        <p:cTn id="10" dur="1" fill="hold">
+                                          <p:stCondLst>
+                                            <p:cond delay="0"/>
+                                          </p:stCondLst>
+                                        </p:cTn>
+                                        <p:tgtEl>
+                                          <p:spTgt spid="1028"/>
+                                        </p:tgtEl>
+                                        <p:attrNameLst>
+                                          <p:attrName>style.visibility</p:attrName>
+                                        </p:attrNameLst>
+                                      </p:cBhvr>
+                                      <p:to>
+                                        <p:strVal val="visible"/>
+                                      </p:to>
+                                    </p:set>
+                                  </p:childTnLst>
+                                </p:cTn>
+                              </p:par>
+                            </p:childTnLst>
+                          </p:cTn>
+                        </p:par>
+                      </p:childTnLst>
+                    </p:cTn>
+                  </p:par>
+                  <p:par>
+                    <p:cTn id="11" fill="hold">
+                      <p:stCondLst>
+                        <p:cond delay="indefinite"/>
+                      </p:stCondLst>
+                      <p:childTnLst>
+                        <p:par>
+                          <p:cTn id="12" fill="hold">
+                            <p:stCondLst>
+                              <p:cond delay="0"/>
+                            </p:stCondLst>
+                            <p:childTnLst>
+                              <p:par>
+                                <p:cTn id="13" presetID="1" presetClass="entr" presetSubtype="0" fill="hold" nodeType="clickEffect">
+                                  <p:stCondLst>
+                                    <p:cond delay="0"/>
+                                  </p:stCondLst>
+                                  <p:childTnLst>
+                                    <p:set>
+                                      <p:cBhvr>
+                                        <p:cTn id="14" dur="1" fill="hold">
+                                          <p:stCondLst>
+                                            <p:cond delay="0"/>
+                                          </p:stCondLst>
+                                        </p:cTn>
+                                        <p:tgtEl>
+                                          <p:spTgt spid="1030"/>
+                                        </p:tgtEl>
+                                        <p:attrNameLst>
+                                          <p:attrName>style.visibility</p:attrName>
+                                        </p:attrNameLst>
+                                      </p:cBhvr>
+                                      <p:to>
+                                        <p:strVal val="visible"/>
+                                      </p:to>
+                                    </p:set>
+                                  </p:childTnLst>
+                                </p:cTn>
+                              </p:par>
+                            </p:childTnLst>
+                          </p:cTn>
+                        </p:par>
+                      </p:childTnLst>
+                    </p:cTn>
+                  </p:par>
+                  <p:par>
+                    <p:cTn id="15" fill="hold">
+                      <p:stCondLst>
+                        <p:cond delay="indefinite"/>
+                      </p:stCondLst>
+                      <p:childTnLst>
+                        <p:par>
+                          <p:cTn id="16" fill="hold">
+                            <p:stCondLst>
+                              <p:cond delay="0"/>
+                            </p:stCondLst>
+                            <p:childTnLst>
+                              <p:par>
+                                <p:cTn id="17" presetID="1" presetClass="entr" presetSubtype="0" fill="hold" nodeType="clickEffect">
+                                  <p:stCondLst>
+                                    <p:cond delay="0"/>
+                                  </p:stCondLst>
+                                  <p:childTnLst>
+                                    <p:set>
+                                      <p:cBhvr>
+                                        <p:cTn id="18" dur="1" fill="hold">
+                                          <p:stCondLst>
+                                            <p:cond delay="0"/>
+                                          </p:stCondLst>
+                                        </p:cTn>
+                                        <p:tgtEl>
+                                          <p:spTgt spid="1032"/>
+                                        </p:tgtEl>
+                                        <p:attrNameLst>
+                                          <p:attrName>style.visibility</p:attrName>
+                                        </p:attrNameLst>
+                                      </p:cBhvr>
+                                      <p:to>
+                                        <p:strVal val="visible"/>
+                                      </p:to>
+                                    </p:set>
+                                  </p:childTnLst>
+                                </p:cTn>
+                              </p:par>
+                            </p:childTnLst>
+                          </p:cTn>
+                        </p:par>
+                      </p:childTnLst>
+                    </p:cTn>
+                  </p:par>
+                </p:childTnLst>
+              </p:cTn>
+              <p:prevCondLst>
+                <p:cond evt="onPrev" delay="0">
+                  <p:tgtEl>
+                    <p:sldTgt/>
+                  </p:tgtEl>
+                </p:cond>
+              </p:prevCondLst>
+              <p:nextCondLst>
+                <p:cond evt="onNext" delay="0">
+                  <p:tgtEl>
+                    <p:sldTgt/>
+                  </p:tgtEl>
+                </p:cond>
+              </p:nextCondLst>
+            </p:seq>
+          </p:childTnLst>
+        </p:cTn>
+      </p:par>
+    </p:tnLst>
+  </p:timing>
+</p:sld>
+</file>
+
+<file path=ppt/slides/slide4.xml><?xml version="1.0" encoding="utf-8"?>
 <p:sld xmlns:a="http://schemas.openxmlformats.org/drawingml/2006/main" xmlns:r="http://schemas.openxmlformats.org/officeDocument/2006/relationships" xmlns:p="http://schemas.openxmlformats.org/presentationml/2006/main">
   <p:cSld>
     <p:spTree>
@@ -13125,7 +13921,7 @@
 </p:sld>
 </file>
 
-<file path=ppt/slides/slide3.xml><?xml version="1.0" encoding="utf-8"?>
+<file path=ppt/slides/slide5.xml><?xml version="1.0" encoding="utf-8"?>
 <p:sld xmlns:a="http://schemas.openxmlformats.org/drawingml/2006/main" xmlns:r="http://schemas.openxmlformats.org/officeDocument/2006/relationships" xmlns:p="http://schemas.openxmlformats.org/presentationml/2006/main">
   <p:cSld>
     <p:spTree>
@@ -13272,7 +14068,7 @@
 </p:sld>
 </file>
 
-<file path=ppt/slides/slide4.xml><?xml version="1.0" encoding="utf-8"?>
+<file path=ppt/slides/slide6.xml><?xml version="1.0" encoding="utf-8"?>
 <p:sld xmlns:a="http://schemas.openxmlformats.org/drawingml/2006/main" xmlns:r="http://schemas.openxmlformats.org/officeDocument/2006/relationships" xmlns:p="http://schemas.openxmlformats.org/presentationml/2006/main">
   <p:cSld>
     <p:spTree>
@@ -14187,15 +14983,6 @@
 </file>
 
 <file path=customXml/item1.xml><?xml version="1.0" encoding="utf-8"?>
-<?mso-contentType ?>
-<FormTemplates xmlns="http://schemas.microsoft.com/sharepoint/v3/contenttype/forms">
-  <Display>DocumentLibraryForm</Display>
-  <Edit>DocumentLibraryForm</Edit>
-  <New>DocumentLibraryForm</New>
-</FormTemplates>
-</file>
-
-<file path=customXml/item2.xml><?xml version="1.0" encoding="utf-8"?>
 <ct:contentTypeSchema xmlns:ct="http://schemas.microsoft.com/office/2006/metadata/contentType" xmlns:ma="http://schemas.microsoft.com/office/2006/metadata/properties/metaAttributes" ct:_="" ma:_="" ma:contentTypeName="Document" ma:contentTypeID="0x010100B0DFA4FB0DC7F64D9FB072004623BE12" ma:contentTypeVersion="19" ma:contentTypeDescription="Create a new document." ma:contentTypeScope="" ma:versionID="889f1978f9ef05820970846e444cf2a3">
   <xsd:schema xmlns:xsd="http://www.w3.org/2001/XMLSchema" xmlns:xs="http://www.w3.org/2001/XMLSchema" xmlns:p="http://schemas.microsoft.com/office/2006/metadata/properties" xmlns:ns2="f30feb56-18b9-48ce-bf47-6e6900332ec3" xmlns:ns3="65da302c-6169-4251-a1a5-ae4ee56be4ef" targetNamespace="http://schemas.microsoft.com/office/2006/metadata/properties" ma:root="true" ma:fieldsID="011b5dd308397ecc337ab481188a5531" ns2:_="" ns3:_="">
     <xsd:import namespace="f30feb56-18b9-48ce-bf47-6e6900332ec3"/>
@@ -14450,6 +15237,15 @@
 </ct:contentTypeSchema>
 </file>
 
+<file path=customXml/item2.xml><?xml version="1.0" encoding="utf-8"?>
+<?mso-contentType ?>
+<FormTemplates xmlns="http://schemas.microsoft.com/sharepoint/v3/contenttype/forms">
+  <Display>DocumentLibraryForm</Display>
+  <Edit>DocumentLibraryForm</Edit>
+  <New>DocumentLibraryForm</New>
+</FormTemplates>
+</file>
+
 <file path=customXml/item3.xml><?xml version="1.0" encoding="utf-8"?>
 <p:properties xmlns:p="http://schemas.microsoft.com/office/2006/metadata/properties" xmlns:xsi="http://www.w3.org/2001/XMLSchema-instance" xmlns:pc="http://schemas.microsoft.com/office/infopath/2007/PartnerControls">
   <documentManagement>
@@ -14474,14 +15270,6 @@
 </file>
 
 <file path=customXml/itemProps1.xml><?xml version="1.0" encoding="utf-8"?>
-<ds:datastoreItem xmlns:ds="http://schemas.openxmlformats.org/officeDocument/2006/customXml" ds:itemID="{3042DAA9-5067-4205-9EEB-39D51209CFCE}">
-  <ds:schemaRefs>
-    <ds:schemaRef ds:uri="http://schemas.microsoft.com/sharepoint/v3/contenttype/forms"/>
-  </ds:schemaRefs>
-</ds:datastoreItem>
-</file>
-
-<file path=customXml/itemProps2.xml><?xml version="1.0" encoding="utf-8"?>
 <ds:datastoreItem xmlns:ds="http://schemas.openxmlformats.org/officeDocument/2006/customXml" ds:itemID="{569844C6-DCD0-486B-BFD0-32FD28562A84}">
   <ds:schemaRefs>
     <ds:schemaRef ds:uri="http://schemas.microsoft.com/office/2006/metadata/contentType"/>
@@ -14496,6 +15284,14 @@
     <ds:schemaRef ds:uri="http://purl.org/dc/elements/1.1/"/>
     <ds:schemaRef ds:uri="http://purl.org/dc/terms/"/>
     <ds:schemaRef ds:uri="http://schemas.microsoft.com/internal/obd"/>
+  </ds:schemaRefs>
+</ds:datastoreItem>
+</file>
+
+<file path=customXml/itemProps2.xml><?xml version="1.0" encoding="utf-8"?>
+<ds:datastoreItem xmlns:ds="http://schemas.openxmlformats.org/officeDocument/2006/customXml" ds:itemID="{3042DAA9-5067-4205-9EEB-39D51209CFCE}">
+  <ds:schemaRefs>
+    <ds:schemaRef ds:uri="http://schemas.microsoft.com/sharepoint/v3/contenttype/forms"/>
   </ds:schemaRefs>
 </ds:datastoreItem>
 </file>

--- a/intro/intro1/Real-Time Data for AI Agents Grounding with Event-Driven Architecture.pptx
+++ b/intro/intro1/Real-Time Data for AI Agents Grounding with Event-Driven Architecture.pptx
@@ -5,15 +5,16 @@
     <p:sldMasterId id="2147483648" r:id="rId4"/>
   </p:sldMasterIdLst>
   <p:notesMasterIdLst>
-    <p:notesMasterId r:id="rId11"/>
+    <p:notesMasterId r:id="rId12"/>
   </p:notesMasterIdLst>
   <p:sldIdLst>
-    <p:sldId id="278" r:id="rId5"/>
-    <p:sldId id="2147483262" r:id="rId6"/>
-    <p:sldId id="2147483263" r:id="rId7"/>
-    <p:sldId id="2147483261" r:id="rId8"/>
-    <p:sldId id="266" r:id="rId9"/>
-    <p:sldId id="279" r:id="rId10"/>
+    <p:sldId id="2147483264" r:id="rId5"/>
+    <p:sldId id="278" r:id="rId6"/>
+    <p:sldId id="2147483262" r:id="rId7"/>
+    <p:sldId id="2147483263" r:id="rId8"/>
+    <p:sldId id="2147483261" r:id="rId9"/>
+    <p:sldId id="266" r:id="rId10"/>
+    <p:sldId id="279" r:id="rId11"/>
   </p:sldIdLst>
   <p:sldSz cx="12192000" cy="6858000"/>
   <p:notesSz cx="6858000" cy="9144000"/>
@@ -208,7 +209,7 @@
           <a:p>
             <a:fld id="{0554D89A-E3CF-7042-B702-F8D577744DCD}" type="datetimeFigureOut">
               <a:rPr lang="en-US" smtClean="0"/>
-              <a:t>11/4/25</a:t>
+              <a:t>11/5/25</a:t>
             </a:fld>
             <a:endParaRPr lang="en-US"/>
           </a:p>
@@ -597,7 +598,7 @@
             <a:fld id="{7D8C2C35-2B8A-446E-BEC0-FD36716C29AC}" type="slidenum">
               <a:rPr lang="en-DE" smtClean="0"/>
               <a:pPr/>
-              <a:t>4</a:t>
+              <a:t>5</a:t>
             </a:fld>
             <a:endParaRPr lang="en-DE"/>
           </a:p>
@@ -746,7 +747,7 @@
           <a:p>
             <a:fld id="{5F71B734-DFA2-C644-BD45-20623A7DDDFA}" type="datetimeFigureOut">
               <a:rPr lang="en-US" smtClean="0"/>
-              <a:t>11/4/25</a:t>
+              <a:t>11/5/25</a:t>
             </a:fld>
             <a:endParaRPr lang="en-US"/>
           </a:p>
@@ -1093,7 +1094,7 @@
           <a:p>
             <a:fld id="{5F71B734-DFA2-C644-BD45-20623A7DDDFA}" type="datetimeFigureOut">
               <a:rPr lang="en-US" smtClean="0"/>
-              <a:t>11/4/25</a:t>
+              <a:t>11/5/25</a:t>
             </a:fld>
             <a:endParaRPr lang="en-US"/>
           </a:p>
@@ -1291,7 +1292,7 @@
           <a:p>
             <a:fld id="{5F71B734-DFA2-C644-BD45-20623A7DDDFA}" type="datetimeFigureOut">
               <a:rPr lang="en-US" smtClean="0"/>
-              <a:t>11/4/25</a:t>
+              <a:t>11/5/25</a:t>
             </a:fld>
             <a:endParaRPr lang="en-US"/>
           </a:p>
@@ -1499,7 +1500,7 @@
           <a:p>
             <a:fld id="{5F71B734-DFA2-C644-BD45-20623A7DDDFA}" type="datetimeFigureOut">
               <a:rPr lang="en-US" smtClean="0"/>
-              <a:t>11/4/25</a:t>
+              <a:t>11/5/25</a:t>
             </a:fld>
             <a:endParaRPr lang="en-US"/>
           </a:p>
@@ -1938,7 +1939,7 @@
           <a:p>
             <a:fld id="{5F71B734-DFA2-C644-BD45-20623A7DDDFA}" type="datetimeFigureOut">
               <a:rPr lang="en-US" smtClean="0"/>
-              <a:t>11/4/25</a:t>
+              <a:t>11/5/25</a:t>
             </a:fld>
             <a:endParaRPr lang="en-US"/>
           </a:p>
@@ -2174,7 +2175,7 @@
           <a:p>
             <a:fld id="{5F71B734-DFA2-C644-BD45-20623A7DDDFA}" type="datetimeFigureOut">
               <a:rPr lang="en-US" smtClean="0"/>
-              <a:t>11/4/25</a:t>
+              <a:t>11/5/25</a:t>
             </a:fld>
             <a:endParaRPr lang="en-US"/>
           </a:p>
@@ -2449,7 +2450,7 @@
           <a:p>
             <a:fld id="{5F71B734-DFA2-C644-BD45-20623A7DDDFA}" type="datetimeFigureOut">
               <a:rPr lang="en-US" smtClean="0"/>
-              <a:t>11/4/25</a:t>
+              <a:t>11/5/25</a:t>
             </a:fld>
             <a:endParaRPr lang="en-US"/>
           </a:p>
@@ -2714,7 +2715,7 @@
           <a:p>
             <a:fld id="{5F71B734-DFA2-C644-BD45-20623A7DDDFA}" type="datetimeFigureOut">
               <a:rPr lang="en-US" smtClean="0"/>
-              <a:t>11/4/25</a:t>
+              <a:t>11/5/25</a:t>
             </a:fld>
             <a:endParaRPr lang="en-US"/>
           </a:p>
@@ -3126,7 +3127,7 @@
           <a:p>
             <a:fld id="{5F71B734-DFA2-C644-BD45-20623A7DDDFA}" type="datetimeFigureOut">
               <a:rPr lang="en-US" smtClean="0"/>
-              <a:t>11/4/25</a:t>
+              <a:t>11/5/25</a:t>
             </a:fld>
             <a:endParaRPr lang="en-US"/>
           </a:p>
@@ -3267,7 +3268,7 @@
           <a:p>
             <a:fld id="{5F71B734-DFA2-C644-BD45-20623A7DDDFA}" type="datetimeFigureOut">
               <a:rPr lang="en-US" smtClean="0"/>
-              <a:t>11/4/25</a:t>
+              <a:t>11/5/25</a:t>
             </a:fld>
             <a:endParaRPr lang="en-US"/>
           </a:p>
@@ -3380,7 +3381,7 @@
           <a:p>
             <a:fld id="{5F71B734-DFA2-C644-BD45-20623A7DDDFA}" type="datetimeFigureOut">
               <a:rPr lang="en-US" smtClean="0"/>
-              <a:t>11/4/25</a:t>
+              <a:t>11/5/25</a:t>
             </a:fld>
             <a:endParaRPr lang="en-US"/>
           </a:p>
@@ -3691,7 +3692,7 @@
           <a:p>
             <a:fld id="{5F71B734-DFA2-C644-BD45-20623A7DDDFA}" type="datetimeFigureOut">
               <a:rPr lang="en-US" smtClean="0"/>
-              <a:t>11/4/25</a:t>
+              <a:t>11/5/25</a:t>
             </a:fld>
             <a:endParaRPr lang="en-US"/>
           </a:p>
@@ -3984,7 +3985,7 @@
           <a:p>
             <a:fld id="{5F71B734-DFA2-C644-BD45-20623A7DDDFA}" type="datetimeFigureOut">
               <a:rPr lang="en-US" smtClean="0"/>
-              <a:t>11/4/25</a:t>
+              <a:t>11/5/25</a:t>
             </a:fld>
             <a:endParaRPr lang="en-US"/>
           </a:p>
@@ -4433,6 +4434,109 @@
           <a:chExt cx="0" cy="0"/>
         </a:xfrm>
       </p:grpSpPr>
+      <p:pic>
+        <p:nvPicPr>
+          <p:cNvPr id="5" name="Picture 4">
+            <a:extLst>
+              <a:ext uri="{FF2B5EF4-FFF2-40B4-BE49-F238E27FC236}">
+                <a16:creationId xmlns:a16="http://schemas.microsoft.com/office/drawing/2014/main" id="{FCEEFE11-9E97-75C2-89A1-AF107479CC4C}"/>
+              </a:ext>
+            </a:extLst>
+          </p:cNvPr>
+          <p:cNvPicPr>
+            <a:picLocks noChangeAspect="1"/>
+          </p:cNvPicPr>
+          <p:nvPr/>
+        </p:nvPicPr>
+        <p:blipFill>
+          <a:blip r:embed="rId2"/>
+          <a:stretch>
+            <a:fillRect/>
+          </a:stretch>
+        </p:blipFill>
+        <p:spPr>
+          <a:xfrm>
+            <a:off x="167165" y="-502022"/>
+            <a:ext cx="4934224" cy="6385465"/>
+          </a:xfrm>
+          <a:prstGeom prst="rect">
+            <a:avLst/>
+          </a:prstGeom>
+        </p:spPr>
+      </p:pic>
+      <p:sp>
+        <p:nvSpPr>
+          <p:cNvPr id="6" name="TextBox 5">
+            <a:extLst>
+              <a:ext uri="{FF2B5EF4-FFF2-40B4-BE49-F238E27FC236}">
+                <a16:creationId xmlns:a16="http://schemas.microsoft.com/office/drawing/2014/main" id="{41EBA409-E770-A23A-F4BA-90338AA86C35}"/>
+              </a:ext>
+            </a:extLst>
+          </p:cNvPr>
+          <p:cNvSpPr txBox="1"/>
+          <p:nvPr/>
+        </p:nvSpPr>
+        <p:spPr>
+          <a:xfrm>
+            <a:off x="4721291" y="2033337"/>
+            <a:ext cx="7202100" cy="369332"/>
+          </a:xfrm>
+          <a:prstGeom prst="rect">
+            <a:avLst/>
+          </a:prstGeom>
+          <a:noFill/>
+        </p:spPr>
+        <p:txBody>
+          <a:bodyPr wrap="none" rtlCol="0">
+            <a:spAutoFit/>
+          </a:bodyPr>
+          <a:lstStyle/>
+          <a:p>
+            <a:r>
+              <a:rPr lang="en-US" b="1" dirty="0"/>
+              <a:t>https://</a:t>
+            </a:r>
+            <a:r>
+              <a:rPr lang="en-US" b="1" dirty="0" err="1"/>
+              <a:t>github.com</a:t>
+            </a:r>
+            <a:r>
+              <a:rPr lang="en-US" b="1" dirty="0"/>
+              <a:t>/SAP-samples/teched2025-IN162/tree/asug2025</a:t>
+            </a:r>
+          </a:p>
+        </p:txBody>
+      </p:sp>
+    </p:spTree>
+    <p:extLst>
+      <p:ext uri="{BB962C8B-B14F-4D97-AF65-F5344CB8AC3E}">
+        <p14:creationId xmlns:p14="http://schemas.microsoft.com/office/powerpoint/2010/main" val="1122987674"/>
+      </p:ext>
+    </p:extLst>
+  </p:cSld>
+  <p:clrMapOvr>
+    <a:masterClrMapping/>
+  </p:clrMapOvr>
+</p:sld>
+</file>
+
+<file path=ppt/slides/slide2.xml><?xml version="1.0" encoding="utf-8"?>
+<p:sld xmlns:a="http://schemas.openxmlformats.org/drawingml/2006/main" xmlns:r="http://schemas.openxmlformats.org/officeDocument/2006/relationships" xmlns:p="http://schemas.openxmlformats.org/presentationml/2006/main">
+  <p:cSld>
+    <p:spTree>
+      <p:nvGrpSpPr>
+        <p:cNvPr id="1" name=""/>
+        <p:cNvGrpSpPr/>
+        <p:nvPr/>
+      </p:nvGrpSpPr>
+      <p:grpSpPr>
+        <a:xfrm>
+          <a:off x="0" y="0"/>
+          <a:ext cx="0" cy="0"/>
+          <a:chOff x="0" y="0"/>
+          <a:chExt cx="0" cy="0"/>
+        </a:xfrm>
+      </p:grpSpPr>
       <p:sp>
         <p:nvSpPr>
           <p:cNvPr id="2" name="Title 1">
@@ -4560,7 +4664,7 @@
 </p:sld>
 </file>
 
-<file path=ppt/slides/slide2.xml><?xml version="1.0" encoding="utf-8"?>
+<file path=ppt/slides/slide3.xml><?xml version="1.0" encoding="utf-8"?>
 <p:sld xmlns:a="http://schemas.openxmlformats.org/drawingml/2006/main" xmlns:r="http://schemas.openxmlformats.org/officeDocument/2006/relationships" xmlns:p="http://schemas.openxmlformats.org/presentationml/2006/main">
   <p:cSld>
     <p:spTree>
@@ -4824,7 +4928,7 @@
 </p:sld>
 </file>
 
-<file path=ppt/slides/slide3.xml><?xml version="1.0" encoding="utf-8"?>
+<file path=ppt/slides/slide4.xml><?xml version="1.0" encoding="utf-8"?>
 <p:sld xmlns:a="http://schemas.openxmlformats.org/drawingml/2006/main" xmlns:r="http://schemas.openxmlformats.org/officeDocument/2006/relationships" xmlns:p="http://schemas.openxmlformats.org/presentationml/2006/main">
   <p:cSld>
     <p:spTree>
@@ -5354,7 +5458,7 @@
 </p:sld>
 </file>
 
-<file path=ppt/slides/slide4.xml><?xml version="1.0" encoding="utf-8"?>
+<file path=ppt/slides/slide5.xml><?xml version="1.0" encoding="utf-8"?>
 <p:sld xmlns:a="http://schemas.openxmlformats.org/drawingml/2006/main" xmlns:r="http://schemas.openxmlformats.org/officeDocument/2006/relationships" xmlns:p="http://schemas.openxmlformats.org/presentationml/2006/main">
   <p:cSld>
     <p:spTree>
@@ -13921,7 +14025,7 @@
 </p:sld>
 </file>
 
-<file path=ppt/slides/slide5.xml><?xml version="1.0" encoding="utf-8"?>
+<file path=ppt/slides/slide6.xml><?xml version="1.0" encoding="utf-8"?>
 <p:sld xmlns:a="http://schemas.openxmlformats.org/drawingml/2006/main" xmlns:r="http://schemas.openxmlformats.org/officeDocument/2006/relationships" xmlns:p="http://schemas.openxmlformats.org/presentationml/2006/main">
   <p:cSld>
     <p:spTree>
@@ -14023,7 +14127,7 @@
               <a:t>Rashmi Kumari        | </a:t>
             </a:r>
             <a:r>
-              <a:rPr lang="en-US" dirty="0"/>
+              <a:rPr lang="en-US" u="sng" dirty="0"/>
               <a:t>rashmi.kumari04@sap.com</a:t>
             </a:r>
           </a:p>
@@ -14068,7 +14172,7 @@
 </p:sld>
 </file>
 
-<file path=ppt/slides/slide6.xml><?xml version="1.0" encoding="utf-8"?>
+<file path=ppt/slides/slide7.xml><?xml version="1.0" encoding="utf-8"?>
 <p:sld xmlns:a="http://schemas.openxmlformats.org/drawingml/2006/main" xmlns:r="http://schemas.openxmlformats.org/officeDocument/2006/relationships" xmlns:p="http://schemas.openxmlformats.org/presentationml/2006/main">
   <p:cSld>
     <p:spTree>
@@ -14983,6 +15087,15 @@
 </file>
 
 <file path=customXml/item1.xml><?xml version="1.0" encoding="utf-8"?>
+<?mso-contentType ?>
+<FormTemplates xmlns="http://schemas.microsoft.com/sharepoint/v3/contenttype/forms">
+  <Display>DocumentLibraryForm</Display>
+  <Edit>DocumentLibraryForm</Edit>
+  <New>DocumentLibraryForm</New>
+</FormTemplates>
+</file>
+
+<file path=customXml/item2.xml><?xml version="1.0" encoding="utf-8"?>
 <ct:contentTypeSchema xmlns:ct="http://schemas.microsoft.com/office/2006/metadata/contentType" xmlns:ma="http://schemas.microsoft.com/office/2006/metadata/properties/metaAttributes" ct:_="" ma:_="" ma:contentTypeName="Document" ma:contentTypeID="0x010100B0DFA4FB0DC7F64D9FB072004623BE12" ma:contentTypeVersion="19" ma:contentTypeDescription="Create a new document." ma:contentTypeScope="" ma:versionID="889f1978f9ef05820970846e444cf2a3">
   <xsd:schema xmlns:xsd="http://www.w3.org/2001/XMLSchema" xmlns:xs="http://www.w3.org/2001/XMLSchema" xmlns:p="http://schemas.microsoft.com/office/2006/metadata/properties" xmlns:ns2="f30feb56-18b9-48ce-bf47-6e6900332ec3" xmlns:ns3="65da302c-6169-4251-a1a5-ae4ee56be4ef" targetNamespace="http://schemas.microsoft.com/office/2006/metadata/properties" ma:root="true" ma:fieldsID="011b5dd308397ecc337ab481188a5531" ns2:_="" ns3:_="">
     <xsd:import namespace="f30feb56-18b9-48ce-bf47-6e6900332ec3"/>
@@ -15237,15 +15350,6 @@
 </ct:contentTypeSchema>
 </file>
 
-<file path=customXml/item2.xml><?xml version="1.0" encoding="utf-8"?>
-<?mso-contentType ?>
-<FormTemplates xmlns="http://schemas.microsoft.com/sharepoint/v3/contenttype/forms">
-  <Display>DocumentLibraryForm</Display>
-  <Edit>DocumentLibraryForm</Edit>
-  <New>DocumentLibraryForm</New>
-</FormTemplates>
-</file>
-
 <file path=customXml/item3.xml><?xml version="1.0" encoding="utf-8"?>
 <p:properties xmlns:p="http://schemas.microsoft.com/office/2006/metadata/properties" xmlns:xsi="http://www.w3.org/2001/XMLSchema-instance" xmlns:pc="http://schemas.microsoft.com/office/infopath/2007/PartnerControls">
   <documentManagement>
@@ -15270,6 +15374,14 @@
 </file>
 
 <file path=customXml/itemProps1.xml><?xml version="1.0" encoding="utf-8"?>
+<ds:datastoreItem xmlns:ds="http://schemas.openxmlformats.org/officeDocument/2006/customXml" ds:itemID="{3042DAA9-5067-4205-9EEB-39D51209CFCE}">
+  <ds:schemaRefs>
+    <ds:schemaRef ds:uri="http://schemas.microsoft.com/sharepoint/v3/contenttype/forms"/>
+  </ds:schemaRefs>
+</ds:datastoreItem>
+</file>
+
+<file path=customXml/itemProps2.xml><?xml version="1.0" encoding="utf-8"?>
 <ds:datastoreItem xmlns:ds="http://schemas.openxmlformats.org/officeDocument/2006/customXml" ds:itemID="{569844C6-DCD0-486B-BFD0-32FD28562A84}">
   <ds:schemaRefs>
     <ds:schemaRef ds:uri="http://schemas.microsoft.com/office/2006/metadata/contentType"/>
@@ -15284,14 +15396,6 @@
     <ds:schemaRef ds:uri="http://purl.org/dc/elements/1.1/"/>
     <ds:schemaRef ds:uri="http://purl.org/dc/terms/"/>
     <ds:schemaRef ds:uri="http://schemas.microsoft.com/internal/obd"/>
-  </ds:schemaRefs>
-</ds:datastoreItem>
-</file>
-
-<file path=customXml/itemProps2.xml><?xml version="1.0" encoding="utf-8"?>
-<ds:datastoreItem xmlns:ds="http://schemas.openxmlformats.org/officeDocument/2006/customXml" ds:itemID="{3042DAA9-5067-4205-9EEB-39D51209CFCE}">
-  <ds:schemaRefs>
-    <ds:schemaRef ds:uri="http://schemas.microsoft.com/sharepoint/v3/contenttype/forms"/>
   </ds:schemaRefs>
 </ds:datastoreItem>
 </file>
